--- a/Presentations/Genetic.pptx
+++ b/Presentations/Genetic.pptx
@@ -5,25 +5,31 @@
     <p:sldMasterId id="2147483648" r:id="rId1"/>
   </p:sldMasterIdLst>
   <p:notesMasterIdLst>
-    <p:notesMasterId r:id="rId18"/>
+    <p:notesMasterId r:id="rId24"/>
   </p:notesMasterIdLst>
   <p:sldIdLst>
     <p:sldId id="256" r:id="rId2"/>
-    <p:sldId id="257" r:id="rId3"/>
-    <p:sldId id="259" r:id="rId4"/>
-    <p:sldId id="260" r:id="rId5"/>
-    <p:sldId id="262" r:id="rId6"/>
-    <p:sldId id="263" r:id="rId7"/>
-    <p:sldId id="264" r:id="rId8"/>
-    <p:sldId id="265" r:id="rId9"/>
-    <p:sldId id="266" r:id="rId10"/>
-    <p:sldId id="267" r:id="rId11"/>
-    <p:sldId id="268" r:id="rId12"/>
-    <p:sldId id="269" r:id="rId13"/>
-    <p:sldId id="270" r:id="rId14"/>
-    <p:sldId id="261" r:id="rId15"/>
-    <p:sldId id="271" r:id="rId16"/>
-    <p:sldId id="258" r:id="rId17"/>
+    <p:sldId id="277" r:id="rId3"/>
+    <p:sldId id="257" r:id="rId4"/>
+    <p:sldId id="259" r:id="rId5"/>
+    <p:sldId id="260" r:id="rId6"/>
+    <p:sldId id="262" r:id="rId7"/>
+    <p:sldId id="263" r:id="rId8"/>
+    <p:sldId id="264" r:id="rId9"/>
+    <p:sldId id="265" r:id="rId10"/>
+    <p:sldId id="266" r:id="rId11"/>
+    <p:sldId id="267" r:id="rId12"/>
+    <p:sldId id="268" r:id="rId13"/>
+    <p:sldId id="269" r:id="rId14"/>
+    <p:sldId id="272" r:id="rId15"/>
+    <p:sldId id="270" r:id="rId16"/>
+    <p:sldId id="261" r:id="rId17"/>
+    <p:sldId id="271" r:id="rId18"/>
+    <p:sldId id="273" r:id="rId19"/>
+    <p:sldId id="274" r:id="rId20"/>
+    <p:sldId id="275" r:id="rId21"/>
+    <p:sldId id="276" r:id="rId22"/>
+    <p:sldId id="258" r:id="rId23"/>
   </p:sldIdLst>
   <p:sldSz cx="12192000" cy="6858000"/>
   <p:notesSz cx="6858000" cy="9144000"/>
@@ -12360,7 +12366,7 @@
           <a:p>
             <a:fld id="{992E8346-96DB-4D0D-8871-FE9390999D8C}" type="datetimeFigureOut">
               <a:rPr lang="en-US" smtClean="0"/>
-              <a:t>2/25/2020</a:t>
+              <a:t>2/29/2020</a:t>
             </a:fld>
             <a:endParaRPr lang="en-US"/>
           </a:p>
@@ -12861,7 +12867,7 @@
           <a:p>
             <a:fld id="{F9A17998-3BF0-45FF-A0EB-AF65857469DB}" type="slidenum">
               <a:rPr lang="en-US" smtClean="0"/>
-              <a:t>2</a:t>
+              <a:t>3</a:t>
             </a:fld>
             <a:endParaRPr lang="en-US"/>
           </a:p>
@@ -12949,7 +12955,7 @@
           <a:p>
             <a:fld id="{F9A17998-3BF0-45FF-A0EB-AF65857469DB}" type="slidenum">
               <a:rPr lang="en-US" smtClean="0"/>
-              <a:t>4</a:t>
+              <a:t>5</a:t>
             </a:fld>
             <a:endParaRPr lang="en-US"/>
           </a:p>
@@ -13064,7 +13070,7 @@
           <a:p>
             <a:fld id="{F9A17998-3BF0-45FF-A0EB-AF65857469DB}" type="slidenum">
               <a:rPr lang="en-US" smtClean="0"/>
-              <a:t>14</a:t>
+              <a:t>16</a:t>
             </a:fld>
             <a:endParaRPr lang="en-US"/>
           </a:p>
@@ -13074,6 +13080,129 @@
     <p:extLst>
       <p:ext uri="{BB962C8B-B14F-4D97-AF65-F5344CB8AC3E}">
         <p14:creationId xmlns:p14="http://schemas.microsoft.com/office/powerpoint/2010/main" val="1038839252"/>
+      </p:ext>
+    </p:extLst>
+  </p:cSld>
+  <p:clrMapOvr>
+    <a:masterClrMapping/>
+  </p:clrMapOvr>
+</p:notes>
+</file>
+
+<file path=ppt/notesSlides/notesSlide5.xml><?xml version="1.0" encoding="utf-8"?>
+<p:notes xmlns:a="http://schemas.openxmlformats.org/drawingml/2006/main" xmlns:r="http://schemas.openxmlformats.org/officeDocument/2006/relationships" xmlns:p="http://schemas.openxmlformats.org/presentationml/2006/main">
+  <p:cSld>
+    <p:spTree>
+      <p:nvGrpSpPr>
+        <p:cNvPr id="1" name=""/>
+        <p:cNvGrpSpPr/>
+        <p:nvPr/>
+      </p:nvGrpSpPr>
+      <p:grpSpPr>
+        <a:xfrm>
+          <a:off x="0" y="0"/>
+          <a:ext cx="0" cy="0"/>
+          <a:chOff x="0" y="0"/>
+          <a:chExt cx="0" cy="0"/>
+        </a:xfrm>
+      </p:grpSpPr>
+      <p:sp>
+        <p:nvSpPr>
+          <p:cNvPr id="2" name="Slide Image Placeholder 1"/>
+          <p:cNvSpPr>
+            <a:spLocks noGrp="1" noRot="1" noChangeAspect="1"/>
+          </p:cNvSpPr>
+          <p:nvPr>
+            <p:ph type="sldImg"/>
+          </p:nvPr>
+        </p:nvSpPr>
+        <p:spPr/>
+      </p:sp>
+      <p:sp>
+        <p:nvSpPr>
+          <p:cNvPr id="3" name="Notes Placeholder 2"/>
+          <p:cNvSpPr>
+            <a:spLocks noGrp="1"/>
+          </p:cNvSpPr>
+          <p:nvPr>
+            <p:ph type="body" idx="1"/>
+          </p:nvPr>
+        </p:nvSpPr>
+        <p:spPr/>
+        <p:txBody>
+          <a:bodyPr/>
+          <a:lstStyle/>
+          <a:p>
+            <a:r>
+              <a:rPr lang="en-US" dirty="0"/>
+              <a:t>$ </a:t>
+            </a:r>
+            <a:r>
+              <a:rPr lang="en-US" dirty="0" err="1"/>
+              <a:t>npm</a:t>
+            </a:r>
+            <a:r>
+              <a:rPr lang="en-US" dirty="0"/>
+              <a:t> install -g local-web-server</a:t>
+            </a:r>
+          </a:p>
+          <a:p>
+            <a:endParaRPr lang="en-US" dirty="0"/>
+          </a:p>
+          <a:p>
+            <a:r>
+              <a:rPr lang="en-US" dirty="0"/>
+              <a:t>https://github.com/lwsjs/local-web-server</a:t>
+            </a:r>
+          </a:p>
+          <a:p>
+            <a:endParaRPr lang="en-US" dirty="0"/>
+          </a:p>
+          <a:p>
+            <a:r>
+              <a:rPr lang="en-US" dirty="0" err="1"/>
+              <a:t>ws</a:t>
+            </a:r>
+            <a:endParaRPr lang="en-US" dirty="0"/>
+          </a:p>
+          <a:p>
+            <a:endParaRPr lang="en-US" dirty="0"/>
+          </a:p>
+          <a:p>
+            <a:r>
+              <a:rPr lang="en-US" dirty="0"/>
+              <a:t>https://github.com/rehan-jaffer/string-evolution/</a:t>
+            </a:r>
+          </a:p>
+        </p:txBody>
+      </p:sp>
+      <p:sp>
+        <p:nvSpPr>
+          <p:cNvPr id="4" name="Slide Number Placeholder 3"/>
+          <p:cNvSpPr>
+            <a:spLocks noGrp="1"/>
+          </p:cNvSpPr>
+          <p:nvPr>
+            <p:ph type="sldNum" sz="quarter" idx="5"/>
+          </p:nvPr>
+        </p:nvSpPr>
+        <p:spPr/>
+        <p:txBody>
+          <a:bodyPr/>
+          <a:lstStyle/>
+          <a:p>
+            <a:fld id="{F9A17998-3BF0-45FF-A0EB-AF65857469DB}" type="slidenum">
+              <a:rPr lang="en-US" smtClean="0"/>
+              <a:t>18</a:t>
+            </a:fld>
+            <a:endParaRPr lang="en-US"/>
+          </a:p>
+        </p:txBody>
+      </p:sp>
+    </p:spTree>
+    <p:extLst>
+      <p:ext uri="{BB962C8B-B14F-4D97-AF65-F5344CB8AC3E}">
+        <p14:creationId xmlns:p14="http://schemas.microsoft.com/office/powerpoint/2010/main" val="594364522"/>
       </p:ext>
     </p:extLst>
   </p:cSld>
@@ -13230,7 +13359,7 @@
           <a:p>
             <a:fld id="{561AEA2A-FD18-42D9-9527-49DE673BA9C7}" type="datetimeFigureOut">
               <a:rPr lang="en-US" smtClean="0"/>
-              <a:t>2/25/2020</a:t>
+              <a:t>2/29/2020</a:t>
             </a:fld>
             <a:endParaRPr lang="en-US"/>
           </a:p>
@@ -13428,7 +13557,7 @@
           <a:p>
             <a:fld id="{561AEA2A-FD18-42D9-9527-49DE673BA9C7}" type="datetimeFigureOut">
               <a:rPr lang="en-US" smtClean="0"/>
-              <a:t>2/25/2020</a:t>
+              <a:t>2/29/2020</a:t>
             </a:fld>
             <a:endParaRPr lang="en-US"/>
           </a:p>
@@ -13636,7 +13765,7 @@
           <a:p>
             <a:fld id="{561AEA2A-FD18-42D9-9527-49DE673BA9C7}" type="datetimeFigureOut">
               <a:rPr lang="en-US" smtClean="0"/>
-              <a:t>2/25/2020</a:t>
+              <a:t>2/29/2020</a:t>
             </a:fld>
             <a:endParaRPr lang="en-US"/>
           </a:p>
@@ -13834,7 +13963,7 @@
           <a:p>
             <a:fld id="{561AEA2A-FD18-42D9-9527-49DE673BA9C7}" type="datetimeFigureOut">
               <a:rPr lang="en-US" smtClean="0"/>
-              <a:t>2/25/2020</a:t>
+              <a:t>2/29/2020</a:t>
             </a:fld>
             <a:endParaRPr lang="en-US"/>
           </a:p>
@@ -14109,7 +14238,7 @@
           <a:p>
             <a:fld id="{561AEA2A-FD18-42D9-9527-49DE673BA9C7}" type="datetimeFigureOut">
               <a:rPr lang="en-US" smtClean="0"/>
-              <a:t>2/25/2020</a:t>
+              <a:t>2/29/2020</a:t>
             </a:fld>
             <a:endParaRPr lang="en-US"/>
           </a:p>
@@ -14374,7 +14503,7 @@
           <a:p>
             <a:fld id="{561AEA2A-FD18-42D9-9527-49DE673BA9C7}" type="datetimeFigureOut">
               <a:rPr lang="en-US" smtClean="0"/>
-              <a:t>2/25/2020</a:t>
+              <a:t>2/29/2020</a:t>
             </a:fld>
             <a:endParaRPr lang="en-US"/>
           </a:p>
@@ -14786,7 +14915,7 @@
           <a:p>
             <a:fld id="{561AEA2A-FD18-42D9-9527-49DE673BA9C7}" type="datetimeFigureOut">
               <a:rPr lang="en-US" smtClean="0"/>
-              <a:t>2/25/2020</a:t>
+              <a:t>2/29/2020</a:t>
             </a:fld>
             <a:endParaRPr lang="en-US"/>
           </a:p>
@@ -14927,7 +15056,7 @@
           <a:p>
             <a:fld id="{561AEA2A-FD18-42D9-9527-49DE673BA9C7}" type="datetimeFigureOut">
               <a:rPr lang="en-US" smtClean="0"/>
-              <a:t>2/25/2020</a:t>
+              <a:t>2/29/2020</a:t>
             </a:fld>
             <a:endParaRPr lang="en-US"/>
           </a:p>
@@ -15040,7 +15169,7 @@
           <a:p>
             <a:fld id="{561AEA2A-FD18-42D9-9527-49DE673BA9C7}" type="datetimeFigureOut">
               <a:rPr lang="en-US" smtClean="0"/>
-              <a:t>2/25/2020</a:t>
+              <a:t>2/29/2020</a:t>
             </a:fld>
             <a:endParaRPr lang="en-US"/>
           </a:p>
@@ -15351,7 +15480,7 @@
           <a:p>
             <a:fld id="{561AEA2A-FD18-42D9-9527-49DE673BA9C7}" type="datetimeFigureOut">
               <a:rPr lang="en-US" smtClean="0"/>
-              <a:t>2/25/2020</a:t>
+              <a:t>2/29/2020</a:t>
             </a:fld>
             <a:endParaRPr lang="en-US"/>
           </a:p>
@@ -15639,7 +15768,7 @@
           <a:p>
             <a:fld id="{561AEA2A-FD18-42D9-9527-49DE673BA9C7}" type="datetimeFigureOut">
               <a:rPr lang="en-US" smtClean="0"/>
-              <a:t>2/25/2020</a:t>
+              <a:t>2/29/2020</a:t>
             </a:fld>
             <a:endParaRPr lang="en-US"/>
           </a:p>
@@ -15880,7 +16009,7 @@
           <a:p>
             <a:fld id="{561AEA2A-FD18-42D9-9527-49DE673BA9C7}" type="datetimeFigureOut">
               <a:rPr lang="en-US" smtClean="0"/>
-              <a:t>2/25/2020</a:t>
+              <a:t>2/29/2020</a:t>
             </a:fld>
             <a:endParaRPr lang="en-US"/>
           </a:p>
@@ -16459,6 +16588,196 @@
           <p:cNvPr id="2" name="Title 1">
             <a:extLst>
               <a:ext uri="{FF2B5EF4-FFF2-40B4-BE49-F238E27FC236}">
+                <a16:creationId xmlns:a16="http://schemas.microsoft.com/office/drawing/2014/main" id="{EF1E8D9E-64DA-493F-8B79-3F016DA1AB2D}"/>
+              </a:ext>
+            </a:extLst>
+          </p:cNvPr>
+          <p:cNvSpPr>
+            <a:spLocks noGrp="1"/>
+          </p:cNvSpPr>
+          <p:nvPr>
+            <p:ph type="title"/>
+          </p:nvPr>
+        </p:nvSpPr>
+        <p:spPr>
+          <a:xfrm>
+            <a:off x="556532" y="643467"/>
+            <a:ext cx="11210925" cy="744836"/>
+          </a:xfrm>
+        </p:spPr>
+        <p:txBody>
+          <a:bodyPr vert="horz" lIns="91440" tIns="45720" rIns="91440" bIns="45720" rtlCol="0" anchor="ctr">
+            <a:normAutofit/>
+          </a:bodyPr>
+          <a:lstStyle/>
+          <a:p>
+            <a:pPr algn="ctr"/>
+            <a:r>
+              <a:rPr lang="en-US" sz="3200" kern="1200">
+                <a:solidFill>
+                  <a:schemeClr val="bg1"/>
+                </a:solidFill>
+                <a:latin typeface="+mj-lt"/>
+                <a:ea typeface="+mj-ea"/>
+                <a:cs typeface="+mj-cs"/>
+              </a:rPr>
+              <a:t>Select the best</a:t>
+            </a:r>
+          </a:p>
+        </p:txBody>
+      </p:sp>
+      <p:pic>
+        <p:nvPicPr>
+          <p:cNvPr id="4098" name="Picture 2" descr="Image result for fitness icon">
+            <a:extLst>
+              <a:ext uri="{FF2B5EF4-FFF2-40B4-BE49-F238E27FC236}">
+                <a16:creationId xmlns:a16="http://schemas.microsoft.com/office/drawing/2014/main" id="{1DC87CDA-8ECD-4E7A-AA1B-312C3C7F1270}"/>
+              </a:ext>
+            </a:extLst>
+          </p:cNvPr>
+          <p:cNvPicPr>
+            <a:picLocks noChangeAspect="1" noChangeArrowheads="1"/>
+          </p:cNvPicPr>
+          <p:nvPr/>
+        </p:nvPicPr>
+        <p:blipFill>
+          <a:blip r:embed="rId2">
+            <a:extLst>
+              <a:ext uri="{28A0092B-C50C-407E-A947-70E740481C1C}">
+                <a14:useLocalDpi xmlns:a14="http://schemas.microsoft.com/office/drawing/2010/main" val="0"/>
+              </a:ext>
+            </a:extLst>
+          </a:blip>
+          <a:stretch>
+            <a:fillRect/>
+          </a:stretch>
+        </p:blipFill>
+        <p:spPr bwMode="auto">
+          <a:xfrm>
+            <a:off x="3893394" y="1675227"/>
+            <a:ext cx="4405212" cy="4394199"/>
+          </a:xfrm>
+          <a:prstGeom prst="rect">
+            <a:avLst/>
+          </a:prstGeom>
+          <a:noFill/>
+          <a:extLst>
+            <a:ext uri="{909E8E84-426E-40DD-AFC4-6F175D3DCCD1}">
+              <a14:hiddenFill xmlns:a14="http://schemas.microsoft.com/office/drawing/2010/main">
+                <a:solidFill>
+                  <a:srgbClr val="FFFFFF"/>
+                </a:solidFill>
+              </a14:hiddenFill>
+            </a:ext>
+          </a:extLst>
+        </p:spPr>
+      </p:pic>
+    </p:spTree>
+    <p:extLst>
+      <p:ext uri="{BB962C8B-B14F-4D97-AF65-F5344CB8AC3E}">
+        <p14:creationId xmlns:p14="http://schemas.microsoft.com/office/powerpoint/2010/main" val="1678384002"/>
+      </p:ext>
+    </p:extLst>
+  </p:cSld>
+  <p:clrMapOvr>
+    <a:masterClrMapping/>
+  </p:clrMapOvr>
+</p:sld>
+</file>
+
+<file path=ppt/slides/slide11.xml><?xml version="1.0" encoding="utf-8"?>
+<p:sld xmlns:a="http://schemas.openxmlformats.org/drawingml/2006/main" xmlns:r="http://schemas.openxmlformats.org/officeDocument/2006/relationships" xmlns:p="http://schemas.openxmlformats.org/presentationml/2006/main">
+  <p:cSld>
+    <p:bg>
+      <p:bgPr>
+        <a:solidFill>
+          <a:schemeClr val="bg1"/>
+        </a:solidFill>
+        <a:effectLst/>
+      </p:bgPr>
+    </p:bg>
+    <p:spTree>
+      <p:nvGrpSpPr>
+        <p:cNvPr id="1" name=""/>
+        <p:cNvGrpSpPr/>
+        <p:nvPr/>
+      </p:nvGrpSpPr>
+      <p:grpSpPr>
+        <a:xfrm>
+          <a:off x="0" y="0"/>
+          <a:ext cx="0" cy="0"/>
+          <a:chOff x="0" y="0"/>
+          <a:chExt cx="0" cy="0"/>
+        </a:xfrm>
+      </p:grpSpPr>
+      <p:sp>
+        <p:nvSpPr>
+          <p:cNvPr id="71" name="Rectangle 70">
+            <a:extLst>
+              <a:ext uri="{FF2B5EF4-FFF2-40B4-BE49-F238E27FC236}">
+                <a16:creationId xmlns:a16="http://schemas.microsoft.com/office/drawing/2014/main" id="{A4AC5506-6312-4701-8D3C-40187889A947}"/>
+              </a:ext>
+              <a:ext uri="{C183D7F6-B498-43B3-948B-1728B52AA6E4}">
+                <adec:decorative xmlns:adec="http://schemas.microsoft.com/office/drawing/2017/decorative" val="1"/>
+              </a:ext>
+            </a:extLst>
+          </p:cNvPr>
+          <p:cNvSpPr>
+            <a:spLocks noGrp="1" noRot="1" noChangeAspect="1" noMove="1" noResize="1" noEditPoints="1" noAdjustHandles="1" noChangeArrowheads="1" noChangeShapeType="1" noTextEdit="1"/>
+          </p:cNvSpPr>
+          <p:nvPr>
+            <p:extLst>
+              <p:ext uri="{386F3935-93C4-4BCD-93E2-E3B085C9AB24}">
+                <p16:designElem xmlns:p16="http://schemas.microsoft.com/office/powerpoint/2015/main" val="1"/>
+              </p:ext>
+            </p:extLst>
+          </p:nvPr>
+        </p:nvSpPr>
+        <p:spPr>
+          <a:xfrm>
+            <a:off x="0" y="651752"/>
+            <a:ext cx="12192000" cy="736551"/>
+          </a:xfrm>
+          <a:prstGeom prst="rect">
+            <a:avLst/>
+          </a:prstGeom>
+          <a:solidFill>
+            <a:schemeClr val="tx1"/>
+          </a:solidFill>
+          <a:ln>
+            <a:noFill/>
+          </a:ln>
+        </p:spPr>
+        <p:style>
+          <a:lnRef idx="2">
+            <a:schemeClr val="accent1">
+              <a:shade val="50000"/>
+            </a:schemeClr>
+          </a:lnRef>
+          <a:fillRef idx="1">
+            <a:schemeClr val="accent1"/>
+          </a:fillRef>
+          <a:effectRef idx="0">
+            <a:schemeClr val="accent1"/>
+          </a:effectRef>
+          <a:fontRef idx="minor">
+            <a:schemeClr val="lt1"/>
+          </a:fontRef>
+        </p:style>
+        <p:txBody>
+          <a:bodyPr rtlCol="0" anchor="ctr"/>
+          <a:lstStyle/>
+          <a:p>
+            <a:pPr algn="ctr"/>
+            <a:endParaRPr lang="en-US"/>
+          </a:p>
+        </p:txBody>
+      </p:sp>
+      <p:sp>
+        <p:nvSpPr>
+          <p:cNvPr id="2" name="Title 1">
+            <a:extLst>
+              <a:ext uri="{FF2B5EF4-FFF2-40B4-BE49-F238E27FC236}">
                 <a16:creationId xmlns:a16="http://schemas.microsoft.com/office/drawing/2014/main" id="{45BD722E-054C-4F92-8CE1-D0A7DEA97636}"/>
               </a:ext>
             </a:extLst>
@@ -16556,7 +16875,7 @@
 </p:sld>
 </file>
 
-<file path=ppt/slides/slide11.xml><?xml version="1.0" encoding="utf-8"?>
+<file path=ppt/slides/slide12.xml><?xml version="1.0" encoding="utf-8"?>
 <p:sld xmlns:a="http://schemas.openxmlformats.org/drawingml/2006/main" xmlns:r="http://schemas.openxmlformats.org/officeDocument/2006/relationships" xmlns:p="http://schemas.openxmlformats.org/presentationml/2006/main">
   <p:cSld>
     <p:bg>
@@ -16746,7 +17065,7 @@
 </p:sld>
 </file>
 
-<file path=ppt/slides/slide12.xml><?xml version="1.0" encoding="utf-8"?>
+<file path=ppt/slides/slide13.xml><?xml version="1.0" encoding="utf-8"?>
 <p:sld xmlns:a="http://schemas.openxmlformats.org/drawingml/2006/main" xmlns:r="http://schemas.openxmlformats.org/officeDocument/2006/relationships" xmlns:p="http://schemas.openxmlformats.org/presentationml/2006/main">
   <p:cSld>
     <p:bg>
@@ -16920,7 +17239,371 @@
 </p:sld>
 </file>
 
-<file path=ppt/slides/slide13.xml><?xml version="1.0" encoding="utf-8"?>
+<file path=ppt/slides/slide14.xml><?xml version="1.0" encoding="utf-8"?>
+<p:sld xmlns:a="http://schemas.openxmlformats.org/drawingml/2006/main" xmlns:r="http://schemas.openxmlformats.org/officeDocument/2006/relationships" xmlns:p="http://schemas.openxmlformats.org/presentationml/2006/main">
+  <p:cSld>
+    <p:bg>
+      <p:bgPr>
+        <a:solidFill>
+          <a:schemeClr val="bg1"/>
+        </a:solidFill>
+        <a:effectLst/>
+      </p:bgPr>
+    </p:bg>
+    <p:spTree>
+      <p:nvGrpSpPr>
+        <p:cNvPr id="1" name=""/>
+        <p:cNvGrpSpPr/>
+        <p:nvPr/>
+      </p:nvGrpSpPr>
+      <p:grpSpPr>
+        <a:xfrm>
+          <a:off x="0" y="0"/>
+          <a:ext cx="0" cy="0"/>
+          <a:chOff x="0" y="0"/>
+          <a:chExt cx="0" cy="0"/>
+        </a:xfrm>
+      </p:grpSpPr>
+      <p:sp>
+        <p:nvSpPr>
+          <p:cNvPr id="137" name="Rectangle 136">
+            <a:extLst>
+              <a:ext uri="{FF2B5EF4-FFF2-40B4-BE49-F238E27FC236}">
+                <a16:creationId xmlns:a16="http://schemas.microsoft.com/office/drawing/2014/main" id="{605494DE-B078-4D87-BB01-C84320618DAD}"/>
+              </a:ext>
+              <a:ext uri="{C183D7F6-B498-43B3-948B-1728B52AA6E4}">
+                <adec:decorative xmlns:adec="http://schemas.microsoft.com/office/drawing/2017/decorative" val="1"/>
+              </a:ext>
+            </a:extLst>
+          </p:cNvPr>
+          <p:cNvSpPr>
+            <a:spLocks noGrp="1" noRot="1" noChangeAspect="1" noMove="1" noResize="1" noEditPoints="1" noAdjustHandles="1" noChangeArrowheads="1" noChangeShapeType="1" noTextEdit="1"/>
+          </p:cNvSpPr>
+          <p:nvPr>
+            <p:extLst>
+              <p:ext uri="{386F3935-93C4-4BCD-93E2-E3B085C9AB24}">
+                <p16:designElem xmlns:p16="http://schemas.microsoft.com/office/powerpoint/2015/main" val="1"/>
+              </p:ext>
+            </p:extLst>
+          </p:nvPr>
+        </p:nvSpPr>
+        <p:spPr>
+          <a:xfrm>
+            <a:off x="0" y="-3324"/>
+            <a:ext cx="12192000" cy="6858000"/>
+          </a:xfrm>
+          <a:prstGeom prst="rect">
+            <a:avLst/>
+          </a:prstGeom>
+          <a:solidFill>
+            <a:srgbClr val="FFFFFF"/>
+          </a:solidFill>
+          <a:ln>
+            <a:noFill/>
+          </a:ln>
+        </p:spPr>
+        <p:style>
+          <a:lnRef idx="2">
+            <a:schemeClr val="accent1">
+              <a:shade val="50000"/>
+            </a:schemeClr>
+          </a:lnRef>
+          <a:fillRef idx="1">
+            <a:schemeClr val="accent1"/>
+          </a:fillRef>
+          <a:effectRef idx="0">
+            <a:schemeClr val="accent1"/>
+          </a:effectRef>
+          <a:fontRef idx="minor">
+            <a:schemeClr val="lt1"/>
+          </a:fontRef>
+        </p:style>
+        <p:txBody>
+          <a:bodyPr rtlCol="0" anchor="ctr"/>
+          <a:lstStyle/>
+          <a:p>
+            <a:pPr algn="ctr"/>
+            <a:endParaRPr lang="en-US"/>
+          </a:p>
+        </p:txBody>
+      </p:sp>
+      <p:sp>
+        <p:nvSpPr>
+          <p:cNvPr id="139" name="Rectangle 138">
+            <a:extLst>
+              <a:ext uri="{FF2B5EF4-FFF2-40B4-BE49-F238E27FC236}">
+                <a16:creationId xmlns:a16="http://schemas.microsoft.com/office/drawing/2014/main" id="{9A0576B0-CD8C-4661-95C8-A9F2CE7CDDB0}"/>
+              </a:ext>
+              <a:ext uri="{C183D7F6-B498-43B3-948B-1728B52AA6E4}">
+                <adec:decorative xmlns:adec="http://schemas.microsoft.com/office/drawing/2017/decorative" val="1"/>
+              </a:ext>
+            </a:extLst>
+          </p:cNvPr>
+          <p:cNvSpPr>
+            <a:spLocks noGrp="1" noRot="1" noChangeAspect="1" noMove="1" noResize="1" noEditPoints="1" noAdjustHandles="1" noChangeArrowheads="1" noChangeShapeType="1" noTextEdit="1"/>
+          </p:cNvSpPr>
+          <p:nvPr>
+            <p:extLst>
+              <p:ext uri="{386F3935-93C4-4BCD-93E2-E3B085C9AB24}">
+                <p16:designElem xmlns:p16="http://schemas.microsoft.com/office/powerpoint/2015/main" val="1"/>
+              </p:ext>
+            </p:extLst>
+          </p:nvPr>
+        </p:nvSpPr>
+        <p:spPr>
+          <a:xfrm>
+            <a:off x="7467712" y="-3324"/>
+            <a:ext cx="4724288" cy="6861324"/>
+          </a:xfrm>
+          <a:prstGeom prst="rect">
+            <a:avLst/>
+          </a:prstGeom>
+          <a:solidFill>
+            <a:srgbClr val="000000">
+              <a:alpha val="80392"/>
+            </a:srgbClr>
+          </a:solidFill>
+          <a:ln>
+            <a:noFill/>
+          </a:ln>
+        </p:spPr>
+        <p:style>
+          <a:lnRef idx="2">
+            <a:schemeClr val="accent1">
+              <a:shade val="50000"/>
+            </a:schemeClr>
+          </a:lnRef>
+          <a:fillRef idx="1">
+            <a:schemeClr val="accent1"/>
+          </a:fillRef>
+          <a:effectRef idx="0">
+            <a:schemeClr val="accent1"/>
+          </a:effectRef>
+          <a:fontRef idx="minor">
+            <a:schemeClr val="lt1"/>
+          </a:fontRef>
+        </p:style>
+        <p:txBody>
+          <a:bodyPr rtlCol="0" anchor="ctr"/>
+          <a:lstStyle/>
+          <a:p>
+            <a:pPr algn="ctr"/>
+            <a:endParaRPr lang="en-US"/>
+          </a:p>
+        </p:txBody>
+      </p:sp>
+      <p:sp>
+        <p:nvSpPr>
+          <p:cNvPr id="141" name="Freeform: Shape 140">
+            <a:extLst>
+              <a:ext uri="{FF2B5EF4-FFF2-40B4-BE49-F238E27FC236}">
+                <a16:creationId xmlns:a16="http://schemas.microsoft.com/office/drawing/2014/main" id="{3FF60E2B-3919-423C-B1FF-56CDE6681165}"/>
+              </a:ext>
+              <a:ext uri="{C183D7F6-B498-43B3-948B-1728B52AA6E4}">
+                <adec:decorative xmlns:adec="http://schemas.microsoft.com/office/drawing/2017/decorative" val="1"/>
+              </a:ext>
+            </a:extLst>
+          </p:cNvPr>
+          <p:cNvSpPr>
+            <a:spLocks noGrp="1" noRot="1" noChangeAspect="1" noMove="1" noResize="1" noEditPoints="1" noAdjustHandles="1" noChangeArrowheads="1" noChangeShapeType="1" noTextEdit="1"/>
+          </p:cNvSpPr>
+          <p:nvPr>
+            <p:extLst>
+              <p:ext uri="{386F3935-93C4-4BCD-93E2-E3B085C9AB24}">
+                <p16:designElem xmlns:p16="http://schemas.microsoft.com/office/powerpoint/2015/main" val="1"/>
+              </p:ext>
+            </p:extLst>
+          </p:nvPr>
+        </p:nvSpPr>
+        <p:spPr>
+          <a:xfrm>
+            <a:off x="7467712" y="0"/>
+            <a:ext cx="4319042" cy="6858000"/>
+          </a:xfrm>
+          <a:custGeom>
+            <a:avLst/>
+            <a:gdLst>
+              <a:gd name="connsiteX0" fmla="*/ 0 w 4319042"/>
+              <a:gd name="connsiteY0" fmla="*/ 0 h 6858000"/>
+              <a:gd name="connsiteX1" fmla="*/ 1142888 w 4319042"/>
+              <a:gd name="connsiteY1" fmla="*/ 0 h 6858000"/>
+              <a:gd name="connsiteX2" fmla="*/ 4319042 w 4319042"/>
+              <a:gd name="connsiteY2" fmla="*/ 6858000 h 6858000"/>
+              <a:gd name="connsiteX3" fmla="*/ 0 w 4319042"/>
+              <a:gd name="connsiteY3" fmla="*/ 6858000 h 6858000"/>
+            </a:gdLst>
+            <a:ahLst/>
+            <a:cxnLst>
+              <a:cxn ang="0">
+                <a:pos x="connsiteX0" y="connsiteY0"/>
+              </a:cxn>
+              <a:cxn ang="0">
+                <a:pos x="connsiteX1" y="connsiteY1"/>
+              </a:cxn>
+              <a:cxn ang="0">
+                <a:pos x="connsiteX2" y="connsiteY2"/>
+              </a:cxn>
+              <a:cxn ang="0">
+                <a:pos x="connsiteX3" y="connsiteY3"/>
+              </a:cxn>
+            </a:cxnLst>
+            <a:rect l="l" t="t" r="r" b="b"/>
+            <a:pathLst>
+              <a:path w="4319042" h="6858000">
+                <a:moveTo>
+                  <a:pt x="0" y="0"/>
+                </a:moveTo>
+                <a:lnTo>
+                  <a:pt x="1142888" y="0"/>
+                </a:lnTo>
+                <a:lnTo>
+                  <a:pt x="4319042" y="6858000"/>
+                </a:lnTo>
+                <a:lnTo>
+                  <a:pt x="0" y="6858000"/>
+                </a:lnTo>
+                <a:close/>
+              </a:path>
+            </a:pathLst>
+          </a:custGeom>
+          <a:solidFill>
+            <a:srgbClr val="000000">
+              <a:alpha val="34902"/>
+            </a:srgbClr>
+          </a:solidFill>
+          <a:ln>
+            <a:noFill/>
+          </a:ln>
+        </p:spPr>
+        <p:style>
+          <a:lnRef idx="2">
+            <a:schemeClr val="accent1">
+              <a:shade val="50000"/>
+            </a:schemeClr>
+          </a:lnRef>
+          <a:fillRef idx="1">
+            <a:schemeClr val="accent1"/>
+          </a:fillRef>
+          <a:effectRef idx="0">
+            <a:schemeClr val="accent1"/>
+          </a:effectRef>
+          <a:fontRef idx="minor">
+            <a:schemeClr val="lt1"/>
+          </a:fontRef>
+        </p:style>
+        <p:txBody>
+          <a:bodyPr wrap="square" rtlCol="0" anchor="ctr">
+            <a:noAutofit/>
+          </a:bodyPr>
+          <a:lstStyle/>
+          <a:p>
+            <a:pPr algn="ctr"/>
+            <a:endParaRPr lang="en-US"/>
+          </a:p>
+        </p:txBody>
+      </p:sp>
+      <p:sp>
+        <p:nvSpPr>
+          <p:cNvPr id="2" name="Title 1">
+            <a:extLst>
+              <a:ext uri="{FF2B5EF4-FFF2-40B4-BE49-F238E27FC236}">
+                <a16:creationId xmlns:a16="http://schemas.microsoft.com/office/drawing/2014/main" id="{59213812-5C16-4A27-918B-55D2369C16B6}"/>
+              </a:ext>
+            </a:extLst>
+          </p:cNvPr>
+          <p:cNvSpPr>
+            <a:spLocks noGrp="1"/>
+          </p:cNvSpPr>
+          <p:nvPr>
+            <p:ph type="title"/>
+          </p:nvPr>
+        </p:nvSpPr>
+        <p:spPr>
+          <a:xfrm>
+            <a:off x="8222550" y="1122363"/>
+            <a:ext cx="3308130" cy="2387600"/>
+          </a:xfrm>
+        </p:spPr>
+        <p:txBody>
+          <a:bodyPr vert="horz" lIns="91440" tIns="45720" rIns="91440" bIns="45720" rtlCol="0" anchor="b">
+            <a:normAutofit/>
+          </a:bodyPr>
+          <a:lstStyle/>
+          <a:p>
+            <a:r>
+              <a:rPr lang="en-US" sz="5400" kern="1200">
+                <a:solidFill>
+                  <a:srgbClr val="FFFFFF"/>
+                </a:solidFill>
+                <a:latin typeface="+mj-lt"/>
+                <a:ea typeface="+mj-ea"/>
+                <a:cs typeface="+mj-cs"/>
+              </a:rPr>
+              <a:t>Mutation</a:t>
+            </a:r>
+          </a:p>
+        </p:txBody>
+      </p:sp>
+      <p:pic>
+        <p:nvPicPr>
+          <p:cNvPr id="4" name="Picture 4" descr="Image result for mutation">
+            <a:extLst>
+              <a:ext uri="{FF2B5EF4-FFF2-40B4-BE49-F238E27FC236}">
+                <a16:creationId xmlns:a16="http://schemas.microsoft.com/office/drawing/2014/main" id="{A76993CD-FA75-4C09-95C3-A524464CCD83}"/>
+              </a:ext>
+            </a:extLst>
+          </p:cNvPr>
+          <p:cNvPicPr>
+            <a:picLocks noChangeAspect="1" noChangeArrowheads="1"/>
+          </p:cNvPicPr>
+          <p:nvPr/>
+        </p:nvPicPr>
+        <p:blipFill>
+          <a:blip r:embed="rId2">
+            <a:extLst>
+              <a:ext uri="{28A0092B-C50C-407E-A947-70E740481C1C}">
+                <a14:useLocalDpi xmlns:a14="http://schemas.microsoft.com/office/drawing/2010/main" val="0"/>
+              </a:ext>
+            </a:extLst>
+          </a:blip>
+          <a:stretch>
+            <a:fillRect/>
+          </a:stretch>
+        </p:blipFill>
+        <p:spPr bwMode="auto">
+          <a:xfrm>
+            <a:off x="643467" y="1750626"/>
+            <a:ext cx="6274296" cy="3356748"/>
+          </a:xfrm>
+          <a:prstGeom prst="rect">
+            <a:avLst/>
+          </a:prstGeom>
+          <a:noFill/>
+          <a:extLst>
+            <a:ext uri="{909E8E84-426E-40DD-AFC4-6F175D3DCCD1}">
+              <a14:hiddenFill xmlns:a14="http://schemas.microsoft.com/office/drawing/2010/main">
+                <a:solidFill>
+                  <a:srgbClr val="FFFFFF"/>
+                </a:solidFill>
+              </a14:hiddenFill>
+            </a:ext>
+          </a:extLst>
+        </p:spPr>
+      </p:pic>
+    </p:spTree>
+    <p:extLst>
+      <p:ext uri="{BB962C8B-B14F-4D97-AF65-F5344CB8AC3E}">
+        <p14:creationId xmlns:p14="http://schemas.microsoft.com/office/powerpoint/2010/main" val="1805267555"/>
+      </p:ext>
+    </p:extLst>
+  </p:cSld>
+  <p:clrMapOvr>
+    <a:masterClrMapping/>
+  </p:clrMapOvr>
+</p:sld>
+</file>
+
+<file path=ppt/slides/slide15.xml><?xml version="1.0" encoding="utf-8"?>
 <p:sld xmlns:a="http://schemas.openxmlformats.org/drawingml/2006/main" xmlns:r="http://schemas.openxmlformats.org/officeDocument/2006/relationships" xmlns:p="http://schemas.openxmlformats.org/presentationml/2006/main">
   <p:cSld>
     <p:bg>
@@ -17118,7 +17801,7 @@
 </p:sld>
 </file>
 
-<file path=ppt/slides/slide14.xml><?xml version="1.0" encoding="utf-8"?>
+<file path=ppt/slides/slide16.xml><?xml version="1.0" encoding="utf-8"?>
 <p:sld xmlns:a="http://schemas.openxmlformats.org/drawingml/2006/main" xmlns:r="http://schemas.openxmlformats.org/officeDocument/2006/relationships" xmlns:p="http://schemas.openxmlformats.org/presentationml/2006/main">
   <p:cSld>
     <p:bg>
@@ -17308,7 +17991,7 @@
 </p:sld>
 </file>
 
-<file path=ppt/slides/slide15.xml><?xml version="1.0" encoding="utf-8"?>
+<file path=ppt/slides/slide17.xml><?xml version="1.0" encoding="utf-8"?>
 <p:sld xmlns:a="http://schemas.openxmlformats.org/drawingml/2006/main" xmlns:r="http://schemas.openxmlformats.org/officeDocument/2006/relationships" xmlns:p="http://schemas.openxmlformats.org/presentationml/2006/main">
   <p:cSld>
     <p:spTree>
@@ -17348,7 +18031,7 @@
           <a:p>
             <a:r>
               <a:rPr lang="en-US" dirty="0"/>
-              <a:t>Examples</a:t>
+              <a:t>The problem space</a:t>
             </a:r>
           </a:p>
         </p:txBody>
@@ -17374,7 +18057,10 @@
           <a:bodyPr/>
           <a:lstStyle/>
           <a:p>
-            <a:endParaRPr lang="en-US"/>
+            <a:r>
+              <a:rPr lang="en-US" dirty="0"/>
+              <a:t>Given the length of the string N, we will have to search through 26^n possibilities, leading to very rapid combinatorial explosion. For the “Hello, World!” string we will need to search through 2.4811529e+18 (that is, 2.48*10^18) different strings to find the one we’re looking for.</a:t>
+            </a:r>
           </a:p>
         </p:txBody>
       </p:sp>
@@ -17391,7 +18077,584 @@
 </p:sld>
 </file>
 
-<file path=ppt/slides/slide16.xml><?xml version="1.0" encoding="utf-8"?>
+<file path=ppt/slides/slide18.xml><?xml version="1.0" encoding="utf-8"?>
+<p:sld xmlns:a="http://schemas.openxmlformats.org/drawingml/2006/main" xmlns:r="http://schemas.openxmlformats.org/officeDocument/2006/relationships" xmlns:p="http://schemas.openxmlformats.org/presentationml/2006/main">
+  <p:cSld>
+    <p:bg>
+      <p:bgPr>
+        <a:solidFill>
+          <a:schemeClr val="bg1"/>
+        </a:solidFill>
+        <a:effectLst/>
+      </p:bgPr>
+    </p:bg>
+    <p:spTree>
+      <p:nvGrpSpPr>
+        <p:cNvPr id="1" name=""/>
+        <p:cNvGrpSpPr/>
+        <p:nvPr/>
+      </p:nvGrpSpPr>
+      <p:grpSpPr>
+        <a:xfrm>
+          <a:off x="0" y="0"/>
+          <a:ext cx="0" cy="0"/>
+          <a:chOff x="0" y="0"/>
+          <a:chExt cx="0" cy="0"/>
+        </a:xfrm>
+      </p:grpSpPr>
+      <p:pic>
+        <p:nvPicPr>
+          <p:cNvPr id="4" name="Content Placeholder 3" descr="A screenshot of a cell phone&#10;&#10;Description automatically generated">
+            <a:extLst>
+              <a:ext uri="{FF2B5EF4-FFF2-40B4-BE49-F238E27FC236}">
+                <a16:creationId xmlns:a16="http://schemas.microsoft.com/office/drawing/2014/main" id="{0FDA167C-F9DC-4C2A-822E-C7EFCF020A58}"/>
+              </a:ext>
+            </a:extLst>
+          </p:cNvPr>
+          <p:cNvPicPr>
+            <a:picLocks noGrp="1" noChangeAspect="1"/>
+          </p:cNvPicPr>
+          <p:nvPr>
+            <p:ph idx="1"/>
+          </p:nvPr>
+        </p:nvPicPr>
+        <p:blipFill rotWithShape="1">
+          <a:blip r:embed="rId3"/>
+          <a:srcRect/>
+          <a:stretch/>
+        </p:blipFill>
+        <p:spPr>
+          <a:xfrm>
+            <a:off x="20" y="10"/>
+            <a:ext cx="12191980" cy="6857990"/>
+          </a:xfrm>
+          <a:prstGeom prst="rect">
+            <a:avLst/>
+          </a:prstGeom>
+        </p:spPr>
+      </p:pic>
+    </p:spTree>
+    <p:extLst>
+      <p:ext uri="{BB962C8B-B14F-4D97-AF65-F5344CB8AC3E}">
+        <p14:creationId xmlns:p14="http://schemas.microsoft.com/office/powerpoint/2010/main" val="312637827"/>
+      </p:ext>
+    </p:extLst>
+  </p:cSld>
+  <p:clrMapOvr>
+    <a:masterClrMapping/>
+  </p:clrMapOvr>
+</p:sld>
+</file>
+
+<file path=ppt/slides/slide19.xml><?xml version="1.0" encoding="utf-8"?>
+<p:sld xmlns:a="http://schemas.openxmlformats.org/drawingml/2006/main" xmlns:r="http://schemas.openxmlformats.org/officeDocument/2006/relationships" xmlns:p="http://schemas.openxmlformats.org/presentationml/2006/main">
+  <p:cSld>
+    <p:bg>
+      <p:bgPr>
+        <a:solidFill>
+          <a:schemeClr val="bg1"/>
+        </a:solidFill>
+        <a:effectLst/>
+      </p:bgPr>
+    </p:bg>
+    <p:spTree>
+      <p:nvGrpSpPr>
+        <p:cNvPr id="1" name=""/>
+        <p:cNvGrpSpPr/>
+        <p:nvPr/>
+      </p:nvGrpSpPr>
+      <p:grpSpPr>
+        <a:xfrm>
+          <a:off x="0" y="0"/>
+          <a:ext cx="0" cy="0"/>
+          <a:chOff x="0" y="0"/>
+          <a:chExt cx="0" cy="0"/>
+        </a:xfrm>
+      </p:grpSpPr>
+      <p:pic>
+        <p:nvPicPr>
+          <p:cNvPr id="4" name="Picture 3" descr="A screenshot of a computer&#10;&#10;Description automatically generated">
+            <a:extLst>
+              <a:ext uri="{FF2B5EF4-FFF2-40B4-BE49-F238E27FC236}">
+                <a16:creationId xmlns:a16="http://schemas.microsoft.com/office/drawing/2014/main" id="{FCC47769-FE51-42ED-BD46-7B0734DF5575}"/>
+              </a:ext>
+            </a:extLst>
+          </p:cNvPr>
+          <p:cNvPicPr>
+            <a:picLocks noChangeAspect="1"/>
+          </p:cNvPicPr>
+          <p:nvPr/>
+        </p:nvPicPr>
+        <p:blipFill rotWithShape="1">
+          <a:blip r:embed="rId2"/>
+          <a:srcRect t="23986" r="-1" b="26513"/>
+          <a:stretch/>
+        </p:blipFill>
+        <p:spPr>
+          <a:xfrm>
+            <a:off x="20" y="10"/>
+            <a:ext cx="12191980" cy="6857990"/>
+          </a:xfrm>
+          <a:prstGeom prst="rect">
+            <a:avLst/>
+          </a:prstGeom>
+        </p:spPr>
+      </p:pic>
+    </p:spTree>
+    <p:extLst>
+      <p:ext uri="{BB962C8B-B14F-4D97-AF65-F5344CB8AC3E}">
+        <p14:creationId xmlns:p14="http://schemas.microsoft.com/office/powerpoint/2010/main" val="2389951118"/>
+      </p:ext>
+    </p:extLst>
+  </p:cSld>
+  <p:clrMapOvr>
+    <a:masterClrMapping/>
+  </p:clrMapOvr>
+</p:sld>
+</file>
+
+<file path=ppt/slides/slide2.xml><?xml version="1.0" encoding="utf-8"?>
+<p:sld xmlns:a="http://schemas.openxmlformats.org/drawingml/2006/main" xmlns:r="http://schemas.openxmlformats.org/officeDocument/2006/relationships" xmlns:p="http://schemas.openxmlformats.org/presentationml/2006/main">
+  <p:cSld>
+    <p:bg>
+      <p:bgPr>
+        <a:solidFill>
+          <a:schemeClr val="bg1"/>
+        </a:solidFill>
+        <a:effectLst/>
+      </p:bgPr>
+    </p:bg>
+    <p:spTree>
+      <p:nvGrpSpPr>
+        <p:cNvPr id="1" name=""/>
+        <p:cNvGrpSpPr/>
+        <p:nvPr/>
+      </p:nvGrpSpPr>
+      <p:grpSpPr>
+        <a:xfrm>
+          <a:off x="0" y="0"/>
+          <a:ext cx="0" cy="0"/>
+          <a:chOff x="0" y="0"/>
+          <a:chExt cx="0" cy="0"/>
+        </a:xfrm>
+      </p:grpSpPr>
+      <p:pic>
+        <p:nvPicPr>
+          <p:cNvPr id="1026" name="Picture 2">
+            <a:extLst>
+              <a:ext uri="{FF2B5EF4-FFF2-40B4-BE49-F238E27FC236}">
+                <a16:creationId xmlns:a16="http://schemas.microsoft.com/office/drawing/2014/main" id="{23D1DDF1-AC3E-4A66-BBED-AC6708A60591}"/>
+              </a:ext>
+            </a:extLst>
+          </p:cNvPr>
+          <p:cNvPicPr>
+            <a:picLocks noChangeAspect="1" noChangeArrowheads="1"/>
+          </p:cNvPicPr>
+          <p:nvPr/>
+        </p:nvPicPr>
+        <p:blipFill>
+          <a:blip r:embed="rId2">
+            <a:extLst>
+              <a:ext uri="{28A0092B-C50C-407E-A947-70E740481C1C}">
+                <a14:useLocalDpi xmlns:a14="http://schemas.microsoft.com/office/drawing/2010/main" val="0"/>
+              </a:ext>
+            </a:extLst>
+          </a:blip>
+          <a:stretch>
+            <a:fillRect/>
+          </a:stretch>
+        </p:blipFill>
+        <p:spPr bwMode="auto">
+          <a:xfrm>
+            <a:off x="1143940" y="643466"/>
+            <a:ext cx="9904119" cy="5571067"/>
+          </a:xfrm>
+          <a:prstGeom prst="rect">
+            <a:avLst/>
+          </a:prstGeom>
+          <a:noFill/>
+          <a:extLst>
+            <a:ext uri="{909E8E84-426E-40DD-AFC4-6F175D3DCCD1}">
+              <a14:hiddenFill xmlns:a14="http://schemas.microsoft.com/office/drawing/2010/main">
+                <a:solidFill>
+                  <a:srgbClr val="FFFFFF"/>
+                </a:solidFill>
+              </a14:hiddenFill>
+            </a:ext>
+          </a:extLst>
+        </p:spPr>
+      </p:pic>
+    </p:spTree>
+    <p:extLst>
+      <p:ext uri="{BB962C8B-B14F-4D97-AF65-F5344CB8AC3E}">
+        <p14:creationId xmlns:p14="http://schemas.microsoft.com/office/powerpoint/2010/main" val="478520919"/>
+      </p:ext>
+    </p:extLst>
+  </p:cSld>
+  <p:clrMapOvr>
+    <a:masterClrMapping/>
+  </p:clrMapOvr>
+</p:sld>
+</file>
+
+<file path=ppt/slides/slide20.xml><?xml version="1.0" encoding="utf-8"?>
+<p:sld xmlns:a="http://schemas.openxmlformats.org/drawingml/2006/main" xmlns:r="http://schemas.openxmlformats.org/officeDocument/2006/relationships" xmlns:p="http://schemas.openxmlformats.org/presentationml/2006/main">
+  <p:cSld>
+    <p:bg>
+      <p:bgPr>
+        <a:solidFill>
+          <a:schemeClr val="bg1"/>
+        </a:solidFill>
+        <a:effectLst/>
+      </p:bgPr>
+    </p:bg>
+    <p:spTree>
+      <p:nvGrpSpPr>
+        <p:cNvPr id="1" name=""/>
+        <p:cNvGrpSpPr/>
+        <p:nvPr/>
+      </p:nvGrpSpPr>
+      <p:grpSpPr>
+        <a:xfrm>
+          <a:off x="0" y="0"/>
+          <a:ext cx="0" cy="0"/>
+          <a:chOff x="0" y="0"/>
+          <a:chExt cx="0" cy="0"/>
+        </a:xfrm>
+      </p:grpSpPr>
+      <p:sp useBgFill="1">
+        <p:nvSpPr>
+          <p:cNvPr id="9" name="Rectangle 8">
+            <a:extLst>
+              <a:ext uri="{FF2B5EF4-FFF2-40B4-BE49-F238E27FC236}">
+                <a16:creationId xmlns:a16="http://schemas.microsoft.com/office/drawing/2014/main" id="{76C9B752-504F-4803-92CD-5373B8220C2C}"/>
+              </a:ext>
+              <a:ext uri="{C183D7F6-B498-43B3-948B-1728B52AA6E4}">
+                <adec:decorative xmlns:adec="http://schemas.microsoft.com/office/drawing/2017/decorative" val="1"/>
+              </a:ext>
+            </a:extLst>
+          </p:cNvPr>
+          <p:cNvSpPr>
+            <a:spLocks noGrp="1" noRot="1" noChangeAspect="1" noMove="1" noResize="1" noEditPoints="1" noAdjustHandles="1" noChangeArrowheads="1" noChangeShapeType="1" noTextEdit="1"/>
+          </p:cNvSpPr>
+          <p:nvPr>
+            <p:extLst>
+              <p:ext uri="{386F3935-93C4-4BCD-93E2-E3B085C9AB24}">
+                <p16:designElem xmlns:p16="http://schemas.microsoft.com/office/powerpoint/2015/main" val="1"/>
+              </p:ext>
+            </p:extLst>
+          </p:nvPr>
+        </p:nvSpPr>
+        <p:spPr>
+          <a:xfrm>
+            <a:off x="0" y="0"/>
+            <a:ext cx="12192001" cy="6858000"/>
+          </a:xfrm>
+          <a:prstGeom prst="rect">
+            <a:avLst/>
+          </a:prstGeom>
+          <a:ln>
+            <a:noFill/>
+          </a:ln>
+        </p:spPr>
+        <p:style>
+          <a:lnRef idx="2">
+            <a:schemeClr val="accent1">
+              <a:shade val="50000"/>
+            </a:schemeClr>
+          </a:lnRef>
+          <a:fillRef idx="1">
+            <a:schemeClr val="accent1"/>
+          </a:fillRef>
+          <a:effectRef idx="0">
+            <a:schemeClr val="accent1"/>
+          </a:effectRef>
+          <a:fontRef idx="minor">
+            <a:schemeClr val="lt1"/>
+          </a:fontRef>
+        </p:style>
+        <p:txBody>
+          <a:bodyPr rtlCol="0" anchor="ctr"/>
+          <a:lstStyle/>
+          <a:p>
+            <a:pPr algn="ctr"/>
+            <a:endParaRPr lang="en-US"/>
+          </a:p>
+        </p:txBody>
+      </p:sp>
+      <p:sp>
+        <p:nvSpPr>
+          <p:cNvPr id="11" name="Rectangle 10">
+            <a:extLst>
+              <a:ext uri="{FF2B5EF4-FFF2-40B4-BE49-F238E27FC236}">
+                <a16:creationId xmlns:a16="http://schemas.microsoft.com/office/drawing/2014/main" id="{A5C2A117-93B7-4C54-9DCE-BDD4A5A05B6D}"/>
+              </a:ext>
+              <a:ext uri="{C183D7F6-B498-43B3-948B-1728B52AA6E4}">
+                <adec:decorative xmlns:adec="http://schemas.microsoft.com/office/drawing/2017/decorative" val="1"/>
+              </a:ext>
+            </a:extLst>
+          </p:cNvPr>
+          <p:cNvSpPr>
+            <a:spLocks noGrp="1" noRot="1" noChangeAspect="1" noMove="1" noResize="1" noEditPoints="1" noAdjustHandles="1" noChangeArrowheads="1" noChangeShapeType="1" noTextEdit="1"/>
+          </p:cNvSpPr>
+          <p:nvPr>
+            <p:extLst>
+              <p:ext uri="{386F3935-93C4-4BCD-93E2-E3B085C9AB24}">
+                <p16:designElem xmlns:p16="http://schemas.microsoft.com/office/powerpoint/2015/main" val="1"/>
+              </p:ext>
+            </p:extLst>
+          </p:nvPr>
+        </p:nvSpPr>
+        <p:spPr>
+          <a:xfrm>
+            <a:off x="-1" y="3167148"/>
+            <a:ext cx="606972" cy="3690851"/>
+          </a:xfrm>
+          <a:prstGeom prst="rect">
+            <a:avLst/>
+          </a:prstGeom>
+          <a:solidFill>
+            <a:schemeClr val="accent1"/>
+          </a:solidFill>
+          <a:ln>
+            <a:noFill/>
+          </a:ln>
+        </p:spPr>
+        <p:style>
+          <a:lnRef idx="2">
+            <a:schemeClr val="accent1">
+              <a:shade val="50000"/>
+            </a:schemeClr>
+          </a:lnRef>
+          <a:fillRef idx="1">
+            <a:schemeClr val="accent1"/>
+          </a:fillRef>
+          <a:effectRef idx="0">
+            <a:schemeClr val="accent1"/>
+          </a:effectRef>
+          <a:fontRef idx="minor">
+            <a:schemeClr val="lt1"/>
+          </a:fontRef>
+        </p:style>
+        <p:txBody>
+          <a:bodyPr rtlCol="0" anchor="ctr"/>
+          <a:lstStyle/>
+          <a:p>
+            <a:pPr algn="ctr"/>
+            <a:endParaRPr lang="en-US"/>
+          </a:p>
+        </p:txBody>
+      </p:sp>
+      <p:sp>
+        <p:nvSpPr>
+          <p:cNvPr id="13" name="Rectangle 12">
+            <a:extLst>
+              <a:ext uri="{FF2B5EF4-FFF2-40B4-BE49-F238E27FC236}">
+                <a16:creationId xmlns:a16="http://schemas.microsoft.com/office/drawing/2014/main" id="{C262B97F-B393-4C41-A3C9-DD240F982861}"/>
+              </a:ext>
+              <a:ext uri="{C183D7F6-B498-43B3-948B-1728B52AA6E4}">
+                <adec:decorative xmlns:adec="http://schemas.microsoft.com/office/drawing/2017/decorative" val="1"/>
+              </a:ext>
+            </a:extLst>
+          </p:cNvPr>
+          <p:cNvSpPr>
+            <a:spLocks noGrp="1" noRot="1" noChangeAspect="1" noMove="1" noResize="1" noEditPoints="1" noAdjustHandles="1" noChangeArrowheads="1" noChangeShapeType="1" noTextEdit="1"/>
+          </p:cNvSpPr>
+          <p:nvPr>
+            <p:extLst>
+              <p:ext uri="{386F3935-93C4-4BCD-93E2-E3B085C9AB24}">
+                <p16:designElem xmlns:p16="http://schemas.microsoft.com/office/powerpoint/2015/main" val="1"/>
+              </p:ext>
+            </p:extLst>
+          </p:nvPr>
+        </p:nvSpPr>
+        <p:spPr>
+          <a:xfrm>
+            <a:off x="-1" y="1"/>
+            <a:ext cx="606972" cy="3233984"/>
+          </a:xfrm>
+          <a:prstGeom prst="rect">
+            <a:avLst/>
+          </a:prstGeom>
+          <a:solidFill>
+            <a:schemeClr val="tx1">
+              <a:lumMod val="85000"/>
+              <a:lumOff val="15000"/>
+            </a:schemeClr>
+          </a:solidFill>
+          <a:ln>
+            <a:noFill/>
+          </a:ln>
+        </p:spPr>
+        <p:style>
+          <a:lnRef idx="2">
+            <a:schemeClr val="accent1">
+              <a:shade val="50000"/>
+            </a:schemeClr>
+          </a:lnRef>
+          <a:fillRef idx="1">
+            <a:schemeClr val="accent1"/>
+          </a:fillRef>
+          <a:effectRef idx="0">
+            <a:schemeClr val="accent1"/>
+          </a:effectRef>
+          <a:fontRef idx="minor">
+            <a:schemeClr val="lt1"/>
+          </a:fontRef>
+        </p:style>
+        <p:txBody>
+          <a:bodyPr rtlCol="0" anchor="ctr"/>
+          <a:lstStyle/>
+          <a:p>
+            <a:pPr algn="ctr"/>
+            <a:endParaRPr lang="en-US"/>
+          </a:p>
+        </p:txBody>
+      </p:sp>
+      <p:pic>
+        <p:nvPicPr>
+          <p:cNvPr id="4" name="Picture 3">
+            <a:extLst>
+              <a:ext uri="{FF2B5EF4-FFF2-40B4-BE49-F238E27FC236}">
+                <a16:creationId xmlns:a16="http://schemas.microsoft.com/office/drawing/2014/main" id="{23EF3869-4DAA-457C-BE03-00657295128E}"/>
+              </a:ext>
+            </a:extLst>
+          </p:cNvPr>
+          <p:cNvPicPr>
+            <a:picLocks noChangeAspect="1"/>
+          </p:cNvPicPr>
+          <p:nvPr/>
+        </p:nvPicPr>
+        <p:blipFill rotWithShape="1">
+          <a:blip r:embed="rId2"/>
+          <a:srcRect t="1891" r="-1" b="694"/>
+          <a:stretch/>
+        </p:blipFill>
+        <p:spPr>
+          <a:xfrm>
+            <a:off x="0" y="-1"/>
+            <a:ext cx="12192000" cy="6858000"/>
+          </a:xfrm>
+          <a:prstGeom prst="rect">
+            <a:avLst/>
+          </a:prstGeom>
+        </p:spPr>
+      </p:pic>
+    </p:spTree>
+    <p:extLst>
+      <p:ext uri="{BB962C8B-B14F-4D97-AF65-F5344CB8AC3E}">
+        <p14:creationId xmlns:p14="http://schemas.microsoft.com/office/powerpoint/2010/main" val="3933547581"/>
+      </p:ext>
+    </p:extLst>
+  </p:cSld>
+  <p:clrMapOvr>
+    <a:masterClrMapping/>
+  </p:clrMapOvr>
+</p:sld>
+</file>
+
+<file path=ppt/slides/slide21.xml><?xml version="1.0" encoding="utf-8"?>
+<p:sld xmlns:a="http://schemas.openxmlformats.org/drawingml/2006/main" xmlns:r="http://schemas.openxmlformats.org/officeDocument/2006/relationships" xmlns:p="http://schemas.openxmlformats.org/presentationml/2006/main">
+  <p:cSld>
+    <p:spTree>
+      <p:nvGrpSpPr>
+        <p:cNvPr id="1" name=""/>
+        <p:cNvGrpSpPr/>
+        <p:nvPr/>
+      </p:nvGrpSpPr>
+      <p:grpSpPr>
+        <a:xfrm>
+          <a:off x="0" y="0"/>
+          <a:ext cx="0" cy="0"/>
+          <a:chOff x="0" y="0"/>
+          <a:chExt cx="0" cy="0"/>
+        </a:xfrm>
+      </p:grpSpPr>
+      <p:pic>
+        <p:nvPicPr>
+          <p:cNvPr id="13" name="Content Placeholder 12" descr="A picture containing drawing&#10;&#10;Description automatically generated">
+            <a:extLst>
+              <a:ext uri="{FF2B5EF4-FFF2-40B4-BE49-F238E27FC236}">
+                <a16:creationId xmlns:a16="http://schemas.microsoft.com/office/drawing/2014/main" id="{58944D18-B37B-4782-B55C-E48EEA6C8FA4}"/>
+              </a:ext>
+            </a:extLst>
+          </p:cNvPr>
+          <p:cNvPicPr>
+            <a:picLocks noGrp="1" noChangeAspect="1"/>
+          </p:cNvPicPr>
+          <p:nvPr>
+            <p:ph idx="1"/>
+          </p:nvPr>
+        </p:nvPicPr>
+        <p:blipFill>
+          <a:blip r:embed="rId2">
+            <a:extLst>
+              <a:ext uri="{28A0092B-C50C-407E-A947-70E740481C1C}">
+                <a14:useLocalDpi xmlns:a14="http://schemas.microsoft.com/office/drawing/2010/main" val="0"/>
+              </a:ext>
+            </a:extLst>
+          </a:blip>
+          <a:stretch>
+            <a:fillRect/>
+          </a:stretch>
+        </p:blipFill>
+        <p:spPr>
+          <a:xfrm>
+            <a:off x="857250" y="936808"/>
+            <a:ext cx="4351338" cy="4351338"/>
+          </a:xfrm>
+        </p:spPr>
+      </p:pic>
+      <p:pic>
+        <p:nvPicPr>
+          <p:cNvPr id="16" name="Picture 15" descr="A picture containing indoor, black, photo, white&#10;&#10;Description automatically generated">
+            <a:extLst>
+              <a:ext uri="{FF2B5EF4-FFF2-40B4-BE49-F238E27FC236}">
+                <a16:creationId xmlns:a16="http://schemas.microsoft.com/office/drawing/2014/main" id="{DFE69EC4-1871-4852-82DD-B050914AD553}"/>
+              </a:ext>
+            </a:extLst>
+          </p:cNvPr>
+          <p:cNvPicPr>
+            <a:picLocks noChangeAspect="1"/>
+          </p:cNvPicPr>
+          <p:nvPr/>
+        </p:nvPicPr>
+        <p:blipFill>
+          <a:blip r:embed="rId3">
+            <a:extLst>
+              <a:ext uri="{28A0092B-C50C-407E-A947-70E740481C1C}">
+                <a14:useLocalDpi xmlns:a14="http://schemas.microsoft.com/office/drawing/2010/main" val="0"/>
+              </a:ext>
+            </a:extLst>
+          </a:blip>
+          <a:stretch>
+            <a:fillRect/>
+          </a:stretch>
+        </p:blipFill>
+        <p:spPr>
+          <a:xfrm>
+            <a:off x="6096000" y="493102"/>
+            <a:ext cx="5238750" cy="5238750"/>
+          </a:xfrm>
+          <a:prstGeom prst="rect">
+            <a:avLst/>
+          </a:prstGeom>
+        </p:spPr>
+      </p:pic>
+    </p:spTree>
+    <p:extLst>
+      <p:ext uri="{BB962C8B-B14F-4D97-AF65-F5344CB8AC3E}">
+        <p14:creationId xmlns:p14="http://schemas.microsoft.com/office/powerpoint/2010/main" val="819736012"/>
+      </p:ext>
+    </p:extLst>
+  </p:cSld>
+  <p:clrMapOvr>
+    <a:masterClrMapping/>
+  </p:clrMapOvr>
+</p:sld>
+</file>
+
+<file path=ppt/slides/slide22.xml><?xml version="1.0" encoding="utf-8"?>
 <p:sld xmlns:a="http://schemas.openxmlformats.org/drawingml/2006/main" xmlns:r="http://schemas.openxmlformats.org/officeDocument/2006/relationships" xmlns:p="http://schemas.openxmlformats.org/presentationml/2006/main">
   <p:cSld>
     <p:spTree>
@@ -17465,6 +18728,57 @@
             </a:r>
             <a:endParaRPr lang="en-US" dirty="0"/>
           </a:p>
+          <a:p>
+            <a:r>
+              <a:rPr lang="en-US" dirty="0">
+                <a:hlinkClick r:id="rId3"/>
+              </a:rPr>
+              <a:t>https://rayiscoding.com/2018/02/genetic-algorithms-evolving-hello-world-in-javascript/</a:t>
+            </a:r>
+            <a:endParaRPr lang="en-US" dirty="0"/>
+          </a:p>
+          <a:p>
+            <a:r>
+              <a:rPr lang="en-US" dirty="0">
+                <a:hlinkClick r:id="rId4"/>
+              </a:rPr>
+              <a:t>http://math.hws.edu/eck/jsdemo/ga-info.html</a:t>
+            </a:r>
+            <a:endParaRPr lang="en-US" dirty="0"/>
+          </a:p>
+          <a:p>
+            <a:r>
+              <a:rPr lang="en-US" dirty="0">
+                <a:hlinkClick r:id="rId5"/>
+              </a:rPr>
+              <a:t>https://www.youtube.com/watch?v=PCx228KcOow</a:t>
+            </a:r>
+            <a:endParaRPr lang="en-US" dirty="0"/>
+          </a:p>
+          <a:p>
+            <a:r>
+              <a:rPr lang="en-US" dirty="0">
+                <a:hlinkClick r:id="rId6"/>
+              </a:rPr>
+              <a:t>https://habr.com/ru/post/128704/</a:t>
+            </a:r>
+            <a:endParaRPr lang="en-US" dirty="0"/>
+          </a:p>
+          <a:p>
+            <a:r>
+              <a:rPr lang="en-US" dirty="0">
+                <a:hlinkClick r:id="rId7"/>
+              </a:rPr>
+              <a:t>https://habr.com/ru/post/346134/</a:t>
+            </a:r>
+            <a:endParaRPr lang="en-US" dirty="0"/>
+          </a:p>
+          <a:p>
+            <a:r>
+              <a:rPr lang="en-US" dirty="0"/>
+              <a:t>https://habr.com/ru/post/254759/</a:t>
+            </a:r>
+          </a:p>
         </p:txBody>
       </p:sp>
     </p:spTree>
@@ -17480,7 +18794,7 @@
 </p:sld>
 </file>
 
-<file path=ppt/slides/slide2.xml><?xml version="1.0" encoding="utf-8"?>
+<file path=ppt/slides/slide3.xml><?xml version="1.0" encoding="utf-8"?>
 <p:sld xmlns:a="http://schemas.openxmlformats.org/drawingml/2006/main" xmlns:r="http://schemas.openxmlformats.org/officeDocument/2006/relationships" xmlns:p="http://schemas.openxmlformats.org/presentationml/2006/main">
   <p:cSld>
     <p:bg>
@@ -17854,7 +19168,7 @@
 </p:sld>
 </file>
 
-<file path=ppt/slides/slide3.xml><?xml version="1.0" encoding="utf-8"?>
+<file path=ppt/slides/slide4.xml><?xml version="1.0" encoding="utf-8"?>
 <p:sld xmlns:a="http://schemas.openxmlformats.org/drawingml/2006/main" xmlns:r="http://schemas.openxmlformats.org/officeDocument/2006/relationships" xmlns:p="http://schemas.openxmlformats.org/presentationml/2006/main">
   <p:cSld>
     <p:bg>
@@ -17959,7 +19273,7 @@
 </p:sld>
 </file>
 
-<file path=ppt/slides/slide4.xml><?xml version="1.0" encoding="utf-8"?>
+<file path=ppt/slides/slide5.xml><?xml version="1.0" encoding="utf-8"?>
 <p:sld xmlns:a="http://schemas.openxmlformats.org/drawingml/2006/main" xmlns:r="http://schemas.openxmlformats.org/officeDocument/2006/relationships" xmlns:p="http://schemas.openxmlformats.org/presentationml/2006/main">
   <p:cSld>
     <p:bg>
@@ -18548,7 +19862,7 @@
 </p:sld>
 </file>
 
-<file path=ppt/slides/slide5.xml><?xml version="1.0" encoding="utf-8"?>
+<file path=ppt/slides/slide6.xml><?xml version="1.0" encoding="utf-8"?>
 <p:sld xmlns:a="http://schemas.openxmlformats.org/drawingml/2006/main" xmlns:r="http://schemas.openxmlformats.org/officeDocument/2006/relationships" xmlns:p="http://schemas.openxmlformats.org/presentationml/2006/main">
   <p:cSld>
     <p:bg>
@@ -18879,7 +20193,7 @@
 </p:sld>
 </file>
 
-<file path=ppt/slides/slide6.xml><?xml version="1.0" encoding="utf-8"?>
+<file path=ppt/slides/slide7.xml><?xml version="1.0" encoding="utf-8"?>
 <p:sld xmlns:a="http://schemas.openxmlformats.org/drawingml/2006/main" xmlns:r="http://schemas.openxmlformats.org/officeDocument/2006/relationships" xmlns:p="http://schemas.openxmlformats.org/presentationml/2006/main">
   <p:cSld>
     <p:bg>
@@ -19069,7 +20383,7 @@
 </p:sld>
 </file>
 
-<file path=ppt/slides/slide7.xml><?xml version="1.0" encoding="utf-8"?>
+<file path=ppt/slides/slide8.xml><?xml version="1.0" encoding="utf-8"?>
 <p:sld xmlns:a="http://schemas.openxmlformats.org/drawingml/2006/main" xmlns:r="http://schemas.openxmlformats.org/officeDocument/2006/relationships" xmlns:p="http://schemas.openxmlformats.org/presentationml/2006/main">
   <p:cSld>
     <p:bg>
@@ -19259,7 +20573,7 @@
 </p:sld>
 </file>
 
-<file path=ppt/slides/slide8.xml><?xml version="1.0" encoding="utf-8"?>
+<file path=ppt/slides/slide9.xml><?xml version="1.0" encoding="utf-8"?>
 <p:sld xmlns:a="http://schemas.openxmlformats.org/drawingml/2006/main" xmlns:r="http://schemas.openxmlformats.org/officeDocument/2006/relationships" xmlns:p="http://schemas.openxmlformats.org/presentationml/2006/main">
   <p:cSld>
     <p:bg>
@@ -19575,196 +20889,6 @@
     <p:extLst>
       <p:ext uri="{BB962C8B-B14F-4D97-AF65-F5344CB8AC3E}">
         <p14:creationId xmlns:p14="http://schemas.microsoft.com/office/powerpoint/2010/main" val="3154795745"/>
-      </p:ext>
-    </p:extLst>
-  </p:cSld>
-  <p:clrMapOvr>
-    <a:masterClrMapping/>
-  </p:clrMapOvr>
-</p:sld>
-</file>
-
-<file path=ppt/slides/slide9.xml><?xml version="1.0" encoding="utf-8"?>
-<p:sld xmlns:a="http://schemas.openxmlformats.org/drawingml/2006/main" xmlns:r="http://schemas.openxmlformats.org/officeDocument/2006/relationships" xmlns:p="http://schemas.openxmlformats.org/presentationml/2006/main">
-  <p:cSld>
-    <p:bg>
-      <p:bgPr>
-        <a:solidFill>
-          <a:schemeClr val="bg1"/>
-        </a:solidFill>
-        <a:effectLst/>
-      </p:bgPr>
-    </p:bg>
-    <p:spTree>
-      <p:nvGrpSpPr>
-        <p:cNvPr id="1" name=""/>
-        <p:cNvGrpSpPr/>
-        <p:nvPr/>
-      </p:nvGrpSpPr>
-      <p:grpSpPr>
-        <a:xfrm>
-          <a:off x="0" y="0"/>
-          <a:ext cx="0" cy="0"/>
-          <a:chOff x="0" y="0"/>
-          <a:chExt cx="0" cy="0"/>
-        </a:xfrm>
-      </p:grpSpPr>
-      <p:sp>
-        <p:nvSpPr>
-          <p:cNvPr id="71" name="Rectangle 70">
-            <a:extLst>
-              <a:ext uri="{FF2B5EF4-FFF2-40B4-BE49-F238E27FC236}">
-                <a16:creationId xmlns:a16="http://schemas.microsoft.com/office/drawing/2014/main" id="{A4AC5506-6312-4701-8D3C-40187889A947}"/>
-              </a:ext>
-              <a:ext uri="{C183D7F6-B498-43B3-948B-1728B52AA6E4}">
-                <adec:decorative xmlns:adec="http://schemas.microsoft.com/office/drawing/2017/decorative" val="1"/>
-              </a:ext>
-            </a:extLst>
-          </p:cNvPr>
-          <p:cNvSpPr>
-            <a:spLocks noGrp="1" noRot="1" noChangeAspect="1" noMove="1" noResize="1" noEditPoints="1" noAdjustHandles="1" noChangeArrowheads="1" noChangeShapeType="1" noTextEdit="1"/>
-          </p:cNvSpPr>
-          <p:nvPr>
-            <p:extLst>
-              <p:ext uri="{386F3935-93C4-4BCD-93E2-E3B085C9AB24}">
-                <p16:designElem xmlns:p16="http://schemas.microsoft.com/office/powerpoint/2015/main" val="1"/>
-              </p:ext>
-            </p:extLst>
-          </p:nvPr>
-        </p:nvSpPr>
-        <p:spPr>
-          <a:xfrm>
-            <a:off x="0" y="651752"/>
-            <a:ext cx="12192000" cy="736551"/>
-          </a:xfrm>
-          <a:prstGeom prst="rect">
-            <a:avLst/>
-          </a:prstGeom>
-          <a:solidFill>
-            <a:schemeClr val="tx1"/>
-          </a:solidFill>
-          <a:ln>
-            <a:noFill/>
-          </a:ln>
-        </p:spPr>
-        <p:style>
-          <a:lnRef idx="2">
-            <a:schemeClr val="accent1">
-              <a:shade val="50000"/>
-            </a:schemeClr>
-          </a:lnRef>
-          <a:fillRef idx="1">
-            <a:schemeClr val="accent1"/>
-          </a:fillRef>
-          <a:effectRef idx="0">
-            <a:schemeClr val="accent1"/>
-          </a:effectRef>
-          <a:fontRef idx="minor">
-            <a:schemeClr val="lt1"/>
-          </a:fontRef>
-        </p:style>
-        <p:txBody>
-          <a:bodyPr rtlCol="0" anchor="ctr"/>
-          <a:lstStyle/>
-          <a:p>
-            <a:pPr algn="ctr"/>
-            <a:endParaRPr lang="en-US"/>
-          </a:p>
-        </p:txBody>
-      </p:sp>
-      <p:sp>
-        <p:nvSpPr>
-          <p:cNvPr id="2" name="Title 1">
-            <a:extLst>
-              <a:ext uri="{FF2B5EF4-FFF2-40B4-BE49-F238E27FC236}">
-                <a16:creationId xmlns:a16="http://schemas.microsoft.com/office/drawing/2014/main" id="{EF1E8D9E-64DA-493F-8B79-3F016DA1AB2D}"/>
-              </a:ext>
-            </a:extLst>
-          </p:cNvPr>
-          <p:cNvSpPr>
-            <a:spLocks noGrp="1"/>
-          </p:cNvSpPr>
-          <p:nvPr>
-            <p:ph type="title"/>
-          </p:nvPr>
-        </p:nvSpPr>
-        <p:spPr>
-          <a:xfrm>
-            <a:off x="556532" y="643467"/>
-            <a:ext cx="11210925" cy="744836"/>
-          </a:xfrm>
-        </p:spPr>
-        <p:txBody>
-          <a:bodyPr vert="horz" lIns="91440" tIns="45720" rIns="91440" bIns="45720" rtlCol="0" anchor="ctr">
-            <a:normAutofit/>
-          </a:bodyPr>
-          <a:lstStyle/>
-          <a:p>
-            <a:pPr algn="ctr"/>
-            <a:r>
-              <a:rPr lang="en-US" sz="3200" kern="1200">
-                <a:solidFill>
-                  <a:schemeClr val="bg1"/>
-                </a:solidFill>
-                <a:latin typeface="+mj-lt"/>
-                <a:ea typeface="+mj-ea"/>
-                <a:cs typeface="+mj-cs"/>
-              </a:rPr>
-              <a:t>Select the best</a:t>
-            </a:r>
-          </a:p>
-        </p:txBody>
-      </p:sp>
-      <p:pic>
-        <p:nvPicPr>
-          <p:cNvPr id="4098" name="Picture 2" descr="Image result for fitness icon">
-            <a:extLst>
-              <a:ext uri="{FF2B5EF4-FFF2-40B4-BE49-F238E27FC236}">
-                <a16:creationId xmlns:a16="http://schemas.microsoft.com/office/drawing/2014/main" id="{1DC87CDA-8ECD-4E7A-AA1B-312C3C7F1270}"/>
-              </a:ext>
-            </a:extLst>
-          </p:cNvPr>
-          <p:cNvPicPr>
-            <a:picLocks noChangeAspect="1" noChangeArrowheads="1"/>
-          </p:cNvPicPr>
-          <p:nvPr/>
-        </p:nvPicPr>
-        <p:blipFill>
-          <a:blip r:embed="rId2">
-            <a:extLst>
-              <a:ext uri="{28A0092B-C50C-407E-A947-70E740481C1C}">
-                <a14:useLocalDpi xmlns:a14="http://schemas.microsoft.com/office/drawing/2010/main" val="0"/>
-              </a:ext>
-            </a:extLst>
-          </a:blip>
-          <a:stretch>
-            <a:fillRect/>
-          </a:stretch>
-        </p:blipFill>
-        <p:spPr bwMode="auto">
-          <a:xfrm>
-            <a:off x="3893394" y="1675227"/>
-            <a:ext cx="4405212" cy="4394199"/>
-          </a:xfrm>
-          <a:prstGeom prst="rect">
-            <a:avLst/>
-          </a:prstGeom>
-          <a:noFill/>
-          <a:extLst>
-            <a:ext uri="{909E8E84-426E-40DD-AFC4-6F175D3DCCD1}">
-              <a14:hiddenFill xmlns:a14="http://schemas.microsoft.com/office/drawing/2010/main">
-                <a:solidFill>
-                  <a:srgbClr val="FFFFFF"/>
-                </a:solidFill>
-              </a14:hiddenFill>
-            </a:ext>
-          </a:extLst>
-        </p:spPr>
-      </p:pic>
-    </p:spTree>
-    <p:extLst>
-      <p:ext uri="{BB962C8B-B14F-4D97-AF65-F5344CB8AC3E}">
-        <p14:creationId xmlns:p14="http://schemas.microsoft.com/office/powerpoint/2010/main" val="1678384002"/>
       </p:ext>
     </p:extLst>
   </p:cSld>
